--- a/Figure5.pptx
+++ b/Figure5.pptx
@@ -197,7 +197,7 @@
           <a:p>
             <a:fld id="{E124202E-EA0B-F845-8D8A-917E2C320490}" type="datetimeFigureOut">
               <a:rPr lang="en-US" smtClean="0"/>
-              <a:t>4/25/23</a:t>
+              <a:t>5/8/23</a:t>
             </a:fld>
             <a:endParaRPr lang="en-US"/>
           </a:p>
@@ -873,7 +873,7 @@
           <a:p>
             <a:fld id="{A347E85E-16B2-7D4F-B055-996D5F280DF9}" type="datetime1">
               <a:rPr lang="en-US" smtClean="0"/>
-              <a:t>4/25/23</a:t>
+              <a:t>5/8/23</a:t>
             </a:fld>
             <a:endParaRPr lang="en-US" dirty="0"/>
           </a:p>
@@ -1134,7 +1134,7 @@
           <a:p>
             <a:fld id="{C1528136-8F1E-8B4C-9500-FCAE614CED34}" type="datetime1">
               <a:rPr lang="en-US" smtClean="0"/>
-              <a:t>4/25/23</a:t>
+              <a:t>5/8/23</a:t>
             </a:fld>
             <a:endParaRPr lang="en-US" dirty="0"/>
           </a:p>
@@ -1221,7 +1221,7 @@
           <a:p>
             <a:fld id="{A95E397C-8781-494B-BBCB-6F8C147E365D}" type="datetime1">
               <a:rPr lang="en-US" smtClean="0"/>
-              <a:t>4/25/23</a:t>
+              <a:t>5/8/23</a:t>
             </a:fld>
             <a:endParaRPr lang="en-US" dirty="0"/>
           </a:p>
@@ -1474,7 +1474,7 @@
           <a:p>
             <a:fld id="{8F1A1C1D-7A24-6C4A-9A72-D802B5CAE039}" type="datetime1">
               <a:rPr lang="en-US" smtClean="0"/>
-              <a:t>4/25/23</a:t>
+              <a:t>5/8/23</a:t>
             </a:fld>
             <a:endParaRPr lang="en-US" dirty="0"/>
           </a:p>
@@ -1592,7 +1592,7 @@
           <a:p>
             <a:fld id="{0F68F3E4-2315-AC4C-ABF4-95DA426C2F52}" type="datetime1">
               <a:rPr lang="en-US" smtClean="0"/>
-              <a:t>4/25/23</a:t>
+              <a:t>5/8/23</a:t>
             </a:fld>
             <a:endParaRPr lang="en-US" dirty="0"/>
           </a:p>
@@ -1988,7 +1988,7 @@
           <a:p>
             <a:fld id="{B85B13E3-B52D-0045-AD7F-8C4D2F63C3D7}" type="datetime1">
               <a:rPr lang="en-US" smtClean="0"/>
-              <a:t>4/25/23</a:t>
+              <a:t>5/8/23</a:t>
             </a:fld>
             <a:endParaRPr lang="en-US" dirty="0"/>
           </a:p>
@@ -2479,7 +2479,7 @@
           <a:p>
             <a:fld id="{545AC853-3288-7742-A395-A525CD58B3D7}" type="datetime1">
               <a:rPr lang="en-US" smtClean="0"/>
-              <a:t>4/25/23</a:t>
+              <a:t>5/8/23</a:t>
             </a:fld>
             <a:endParaRPr lang="en-US" dirty="0"/>
           </a:p>
@@ -2765,7 +2765,7 @@
           <a:p>
             <a:fld id="{FBF22573-B266-7F4F-9E81-59304A2AAA60}" type="datetime1">
               <a:rPr lang="en-US" smtClean="0"/>
-              <a:t>4/25/23</a:t>
+              <a:t>5/8/23</a:t>
             </a:fld>
             <a:endParaRPr lang="en-US" dirty="0"/>
           </a:p>
@@ -3299,7 +3299,7 @@
           <a:p>
             <a:fld id="{65CC06C0-5844-864C-8B51-DA1B5C964932}" type="datetime1">
               <a:rPr lang="en-US" smtClean="0"/>
-              <a:t>4/25/23</a:t>
+              <a:t>5/8/23</a:t>
             </a:fld>
             <a:endParaRPr lang="en-US" dirty="0"/>
           </a:p>
@@ -3895,10 +3895,10 @@
       </p:sp>
       <p:grpSp>
         <p:nvGrpSpPr>
-          <p:cNvPr id="11" name="Group 10">
+          <p:cNvPr id="15" name="Group 14">
             <a:extLst>
               <a:ext uri="{FF2B5EF4-FFF2-40B4-BE49-F238E27FC236}">
-                <a16:creationId xmlns:a16="http://schemas.microsoft.com/office/drawing/2014/main" id="{220D85DE-BC96-76C6-3AE4-590B2CEAAE26}"/>
+                <a16:creationId xmlns:a16="http://schemas.microsoft.com/office/drawing/2014/main" id="{5598F840-5114-EC93-C061-E84893F4F91A}"/>
               </a:ext>
             </a:extLst>
           </p:cNvPr>
@@ -3907,18 +3907,18 @@
         </p:nvGrpSpPr>
         <p:grpSpPr>
           <a:xfrm>
-            <a:off x="2930472" y="146907"/>
-            <a:ext cx="5942930" cy="6553210"/>
-            <a:chOff x="2930472" y="146907"/>
-            <a:chExt cx="5942930" cy="6553210"/>
+            <a:off x="2194740" y="29340"/>
+            <a:ext cx="7866198" cy="6753069"/>
+            <a:chOff x="2194740" y="29340"/>
+            <a:chExt cx="7866198" cy="6753069"/>
           </a:xfrm>
         </p:grpSpPr>
         <p:pic>
           <p:nvPicPr>
-            <p:cNvPr id="10" name="Picture 9">
+            <p:cNvPr id="6" name="Picture 5">
               <a:extLst>
                 <a:ext uri="{FF2B5EF4-FFF2-40B4-BE49-F238E27FC236}">
-                  <a16:creationId xmlns:a16="http://schemas.microsoft.com/office/drawing/2014/main" id="{EDC5B186-AAB9-74AE-D5C3-CD4ED1C49554}"/>
+                  <a16:creationId xmlns:a16="http://schemas.microsoft.com/office/drawing/2014/main" id="{B30750EE-D9C5-9404-266B-2BB209D3C719}"/>
                 </a:ext>
               </a:extLst>
             </p:cNvPr>
@@ -3929,13 +3929,13 @@
           </p:nvPicPr>
           <p:blipFill rotWithShape="1">
             <a:blip r:embed="rId3"/>
-            <a:srcRect l="12735" t="11361" r="9988" b="10582"/>
+            <a:srcRect l="14232" t="11263" r="11240" b="10520"/>
             <a:stretch/>
           </p:blipFill>
           <p:spPr>
             <a:xfrm>
-              <a:off x="2984865" y="759015"/>
-              <a:ext cx="5881683" cy="5941102"/>
+              <a:off x="4149183" y="617677"/>
+              <a:ext cx="5874023" cy="6164732"/>
             </a:xfrm>
             <a:prstGeom prst="rect">
               <a:avLst/>
@@ -3956,7 +3956,7 @@
           </p:nvSpPr>
           <p:spPr>
             <a:xfrm>
-              <a:off x="2958739" y="458174"/>
+              <a:off x="4146275" y="340607"/>
               <a:ext cx="5914663" cy="254643"/>
             </a:xfrm>
             <a:prstGeom prst="rightArrow">
@@ -4014,7 +4014,7 @@
           </p:nvSpPr>
           <p:spPr>
             <a:xfrm>
-              <a:off x="5037014" y="146907"/>
+              <a:off x="6272050" y="29340"/>
               <a:ext cx="1758111" cy="369332"/>
             </a:xfrm>
             <a:prstGeom prst="rect">
@@ -4050,8 +4050,8 @@
           </p:nvSpPr>
           <p:spPr>
             <a:xfrm>
-              <a:off x="3147684" y="996216"/>
-              <a:ext cx="1041038" cy="707886"/>
+              <a:off x="2254359" y="1096883"/>
+              <a:ext cx="1740104" cy="400110"/>
             </a:xfrm>
             <a:prstGeom prst="rect">
               <a:avLst/>
@@ -4066,9 +4066,6 @@
               <a:pPr algn="ctr"/>
               <a:r>
                 <a:rPr lang="en-US" sz="2000" dirty="0">
-                  <a:solidFill>
-                    <a:schemeClr val="bg1"/>
-                  </a:solidFill>
                   <a:latin typeface="Helvetica" panose="020B0604020202020204" pitchFamily="34" charset="0"/>
                 </a:rPr>
                 <a:t>Ground truth</a:t>
@@ -4090,7 +4087,7 @@
           </p:nvSpPr>
           <p:spPr>
             <a:xfrm>
-              <a:off x="3313248" y="2590463"/>
+              <a:off x="2769456" y="2162914"/>
               <a:ext cx="709911" cy="400110"/>
             </a:xfrm>
             <a:prstGeom prst="rect">
@@ -4105,9 +4102,6 @@
             <a:p>
               <a:r>
                 <a:rPr lang="en-US" sz="2000" dirty="0">
-                  <a:solidFill>
-                    <a:schemeClr val="bg1"/>
-                  </a:solidFill>
                   <a:latin typeface="Helvetica" panose="020B0604020202020204" pitchFamily="34" charset="0"/>
                 </a:rPr>
                 <a:t>PCA</a:t>
@@ -4129,8 +4123,8 @@
           </p:nvSpPr>
           <p:spPr>
             <a:xfrm>
-              <a:off x="3147684" y="4209142"/>
-              <a:ext cx="1041038" cy="400110"/>
+              <a:off x="2254360" y="3456432"/>
+              <a:ext cx="1740103" cy="400110"/>
             </a:xfrm>
             <a:prstGeom prst="rect">
               <a:avLst/>
@@ -4145,12 +4139,9 @@
               <a:pPr algn="ctr"/>
               <a:r>
                 <a:rPr lang="en-US" sz="2000" dirty="0">
-                  <a:solidFill>
-                    <a:schemeClr val="bg1"/>
-                  </a:solidFill>
                   <a:latin typeface="Helvetica" panose="020B0604020202020204" pitchFamily="34" charset="0"/>
                 </a:rPr>
-                <a:t>AE</a:t>
+                <a:t>Autoencoder</a:t>
               </a:r>
             </a:p>
           </p:txBody>
@@ -4169,8 +4160,8 @@
           </p:nvSpPr>
           <p:spPr>
             <a:xfrm>
-              <a:off x="2930472" y="5473878"/>
-              <a:ext cx="1475462" cy="707886"/>
+              <a:off x="2194740" y="4461783"/>
+              <a:ext cx="1859343" cy="400110"/>
             </a:xfrm>
             <a:prstGeom prst="rect">
               <a:avLst/>
@@ -4185,13 +4176,123 @@
               <a:pPr algn="ctr"/>
               <a:r>
                 <a:rPr lang="en-US" sz="2000" dirty="0">
-                  <a:solidFill>
-                    <a:schemeClr val="bg1"/>
-                  </a:solidFill>
                   <a:latin typeface="Helvetica" panose="020B0604020202020204" pitchFamily="34" charset="0"/>
                 </a:rPr>
                 <a:t>Diffusion maps</a:t>
               </a:r>
+            </a:p>
+          </p:txBody>
+        </p:sp>
+        <p:sp>
+          <p:nvSpPr>
+            <p:cNvPr id="8" name="Rectangle 7">
+              <a:extLst>
+                <a:ext uri="{FF2B5EF4-FFF2-40B4-BE49-F238E27FC236}">
+                  <a16:creationId xmlns:a16="http://schemas.microsoft.com/office/drawing/2014/main" id="{68846917-F274-909A-1AE5-9280753460C4}"/>
+                </a:ext>
+              </a:extLst>
+            </p:cNvPr>
+            <p:cNvSpPr/>
+            <p:nvPr/>
+          </p:nvSpPr>
+          <p:spPr>
+            <a:xfrm>
+              <a:off x="2194740" y="5664767"/>
+              <a:ext cx="1859343" cy="400110"/>
+            </a:xfrm>
+            <a:prstGeom prst="rect">
+              <a:avLst/>
+            </a:prstGeom>
+          </p:spPr>
+          <p:txBody>
+            <a:bodyPr wrap="square">
+              <a:spAutoFit/>
+            </a:bodyPr>
+            <a:lstStyle/>
+            <a:p>
+              <a:pPr algn="ctr"/>
+              <a:r>
+                <a:rPr lang="en-US" sz="2000" dirty="0">
+                  <a:latin typeface="Helvetica" panose="020B0604020202020204" pitchFamily="34" charset="0"/>
+                </a:rPr>
+                <a:t>Diffusion maps</a:t>
+              </a:r>
+            </a:p>
+          </p:txBody>
+        </p:sp>
+        <p:sp>
+          <p:nvSpPr>
+            <p:cNvPr id="11" name="TextBox 10">
+              <a:extLst>
+                <a:ext uri="{FF2B5EF4-FFF2-40B4-BE49-F238E27FC236}">
+                  <a16:creationId xmlns:a16="http://schemas.microsoft.com/office/drawing/2014/main" id="{55173925-DDFB-3F94-41CD-DB07B92848C8}"/>
+                </a:ext>
+              </a:extLst>
+            </p:cNvPr>
+            <p:cNvSpPr txBox="1"/>
+            <p:nvPr/>
+          </p:nvSpPr>
+          <p:spPr>
+            <a:xfrm>
+              <a:off x="2484029" y="5075644"/>
+              <a:ext cx="1280765" cy="400110"/>
+            </a:xfrm>
+            <a:prstGeom prst="rect">
+              <a:avLst/>
+            </a:prstGeom>
+            <a:noFill/>
+          </p:spPr>
+          <p:txBody>
+            <a:bodyPr wrap="square">
+              <a:spAutoFit/>
+            </a:bodyPr>
+            <a:lstStyle/>
+            <a:p>
+              <a:pPr algn="ctr"/>
+              <a:r>
+                <a:rPr lang="en-US" sz="2000" dirty="0">
+                  <a:latin typeface="Helvetica" panose="020B0604020202020204" pitchFamily="34" charset="0"/>
+                </a:rPr>
+                <a:t>(D = 100)</a:t>
+              </a:r>
+            </a:p>
+          </p:txBody>
+        </p:sp>
+        <p:sp>
+          <p:nvSpPr>
+            <p:cNvPr id="14" name="TextBox 13">
+              <a:extLst>
+                <a:ext uri="{FF2B5EF4-FFF2-40B4-BE49-F238E27FC236}">
+                  <a16:creationId xmlns:a16="http://schemas.microsoft.com/office/drawing/2014/main" id="{A800C3D6-7C7F-AF14-38FF-449DE93455DA}"/>
+                </a:ext>
+              </a:extLst>
+            </p:cNvPr>
+            <p:cNvSpPr txBox="1"/>
+            <p:nvPr/>
+          </p:nvSpPr>
+          <p:spPr>
+            <a:xfrm>
+              <a:off x="2412534" y="6283474"/>
+              <a:ext cx="1423754" cy="400110"/>
+            </a:xfrm>
+            <a:prstGeom prst="rect">
+              <a:avLst/>
+            </a:prstGeom>
+            <a:noFill/>
+          </p:spPr>
+          <p:txBody>
+            <a:bodyPr wrap="square">
+              <a:spAutoFit/>
+            </a:bodyPr>
+            <a:lstStyle/>
+            <a:p>
+              <a:r>
+                <a:rPr lang="en-US" sz="2000" dirty="0">
+                  <a:latin typeface="Helvetica" panose="020B0604020202020204" pitchFamily="34" charset="0"/>
+                </a:rPr>
+                <a:t>(D = 2000)</a:t>
+              </a:r>
+              <a:endParaRPr lang="en-US" sz="2000" dirty="0"/>
             </a:p>
           </p:txBody>
         </p:sp>
